--- a/ppt/20分钟入门Python_上_李兴贺_20210619.pptx
+++ b/ppt/20分钟入门Python_上_李兴贺_20210619.pptx
@@ -7,12 +7,15 @@
   <p:sldIdLst>
     <p:sldId id="256" r:id="rId3"/>
     <p:sldId id="257" r:id="rId4"/>
-    <p:sldId id="267" r:id="rId5"/>
-    <p:sldId id="265" r:id="rId6"/>
-    <p:sldId id="268" r:id="rId7"/>
-    <p:sldId id="270" r:id="rId8"/>
-    <p:sldId id="271" r:id="rId9"/>
-    <p:sldId id="273" r:id="rId10"/>
+    <p:sldId id="274" r:id="rId5"/>
+    <p:sldId id="267" r:id="rId6"/>
+    <p:sldId id="275" r:id="rId7"/>
+    <p:sldId id="265" r:id="rId8"/>
+    <p:sldId id="276" r:id="rId9"/>
+    <p:sldId id="277" r:id="rId10"/>
+    <p:sldId id="268" r:id="rId11"/>
+    <p:sldId id="270" r:id="rId12"/>
+    <p:sldId id="273" r:id="rId13"/>
   </p:sldIdLst>
   <p:sldSz cx="12192000" cy="6858000"/>
   <p:notesSz cx="6858000" cy="9144000"/>
@@ -3160,6 +3163,229 @@
 </p:sld>
 </file>
 
+<file path=ppt/slides/slide10.xml><?xml version="1.0" encoding="utf-8"?>
+<p:sld xmlns:a="http://schemas.openxmlformats.org/drawingml/2006/main" xmlns:r="http://schemas.openxmlformats.org/officeDocument/2006/relationships" xmlns:p="http://schemas.openxmlformats.org/presentationml/2006/main">
+  <p:cSld>
+    <p:spTree>
+      <p:nvGrpSpPr>
+        <p:cNvPr id="1" name=""/>
+        <p:cNvGrpSpPr/>
+        <p:nvPr/>
+      </p:nvGrpSpPr>
+      <p:grpSpPr/>
+      <p:sp>
+        <p:nvSpPr>
+          <p:cNvPr id="2" name="标题 1"/>
+          <p:cNvSpPr>
+            <a:spLocks noGrp="1"/>
+          </p:cNvSpPr>
+          <p:nvPr>
+            <p:ph type="title"/>
+          </p:nvPr>
+        </p:nvSpPr>
+        <p:spPr>
+          <a:xfrm>
+            <a:off x="1092200" y="2689860"/>
+            <a:ext cx="10515600" cy="2063750"/>
+          </a:xfrm>
+        </p:spPr>
+        <p:txBody>
+          <a:bodyPr>
+            <a:noAutofit/>
+          </a:bodyPr>
+          <a:p>
+            <a:pPr algn="ctr"/>
+            <a:r>
+              <a:rPr lang="en-US" altLang="zh-CN" sz="9600" b="1">
+                <a:solidFill>
+                  <a:srgbClr val="FF0000"/>
+                </a:solidFill>
+              </a:rPr>
+              <a:t>Run</a:t>
+            </a:r>
+            <a:r>
+              <a:rPr lang="en-US" altLang="zh-CN" sz="9600"/>
+              <a:t>, Don't </a:t>
+            </a:r>
+            <a:r>
+              <a:rPr lang="en-US" altLang="zh-CN" sz="9600" strike="sngStrike">
+                <a:solidFill>
+                  <a:schemeClr val="accent1">
+                    <a:lumMod val="75000"/>
+                  </a:schemeClr>
+                </a:solidFill>
+                <a:uFillTx/>
+              </a:rPr>
+              <a:t>Walk</a:t>
+            </a:r>
+            <a:r>
+              <a:rPr lang="en-US" altLang="zh-CN" sz="9600"/>
+              <a:t>!</a:t>
+            </a:r>
+            <a:endParaRPr lang="en-US" altLang="zh-CN" sz="9600"/>
+          </a:p>
+        </p:txBody>
+      </p:sp>
+      <p:sp>
+        <p:nvSpPr>
+          <p:cNvPr id="3" name="标题 1"/>
+          <p:cNvSpPr>
+            <a:spLocks noGrp="1"/>
+          </p:cNvSpPr>
+          <p:nvPr/>
+        </p:nvSpPr>
+        <p:spPr>
+          <a:xfrm>
+            <a:off x="838200" y="365125"/>
+            <a:ext cx="10515600" cy="1325563"/>
+          </a:xfrm>
+          <a:prstGeom prst="rect">
+            <a:avLst/>
+          </a:prstGeom>
+        </p:spPr>
+        <p:txBody>
+          <a:bodyPr vert="horz" lIns="91440" tIns="45720" rIns="91440" bIns="45720" rtlCol="0" anchor="ctr">
+            <a:normAutofit/>
+          </a:bodyPr>
+          <a:lstStyle>
+            <a:lvl1pPr algn="l" defTabSz="914400" rtl="0" eaLnBrk="1" latinLnBrk="0" hangingPunct="1">
+              <a:lnSpc>
+                <a:spcPct val="90000"/>
+              </a:lnSpc>
+              <a:spcBef>
+                <a:spcPct val="0"/>
+              </a:spcBef>
+              <a:buNone/>
+              <a:defRPr sz="4400" kern="1200">
+                <a:solidFill>
+                  <a:schemeClr val="tx1"/>
+                </a:solidFill>
+                <a:latin typeface="+mj-lt"/>
+                <a:ea typeface="+mj-ea"/>
+                <a:cs typeface="+mj-cs"/>
+              </a:defRPr>
+            </a:lvl1pPr>
+          </a:lstStyle>
+          <a:p>
+            <a:pPr algn="l"/>
+            <a:r>
+              <a:rPr lang="zh-CN" altLang="en-US" sz="4800"/>
+              <a:t>如何学</a:t>
+            </a:r>
+            <a:endParaRPr lang="zh-CN" altLang="en-US" sz="4800"/>
+          </a:p>
+        </p:txBody>
+      </p:sp>
+    </p:spTree>
+  </p:cSld>
+  <p:clrMapOvr>
+    <a:masterClrMapping/>
+  </p:clrMapOvr>
+</p:sld>
+</file>
+
+<file path=ppt/slides/slide11.xml><?xml version="1.0" encoding="utf-8"?>
+<p:sld xmlns:a="http://schemas.openxmlformats.org/drawingml/2006/main" xmlns:r="http://schemas.openxmlformats.org/officeDocument/2006/relationships" xmlns:p="http://schemas.openxmlformats.org/presentationml/2006/main">
+  <p:cSld>
+    <p:spTree>
+      <p:nvGrpSpPr>
+        <p:cNvPr id="1" name=""/>
+        <p:cNvGrpSpPr/>
+        <p:nvPr/>
+      </p:nvGrpSpPr>
+      <p:grpSpPr/>
+      <p:sp>
+        <p:nvSpPr>
+          <p:cNvPr id="2" name="标题 1"/>
+          <p:cNvSpPr>
+            <a:spLocks noGrp="1"/>
+          </p:cNvSpPr>
+          <p:nvPr>
+            <p:ph type="title"/>
+          </p:nvPr>
+        </p:nvSpPr>
+        <p:spPr>
+          <a:xfrm>
+            <a:off x="958850" y="2397125"/>
+            <a:ext cx="10515600" cy="2063750"/>
+          </a:xfrm>
+        </p:spPr>
+        <p:txBody>
+          <a:bodyPr>
+            <a:noAutofit/>
+          </a:bodyPr>
+          <a:p>
+            <a:pPr algn="ctr"/>
+            <a:r>
+              <a:rPr lang="zh-CN" altLang="en-US" sz="9600">
+                <a:solidFill>
+                  <a:schemeClr val="tx1"/>
+                </a:solidFill>
+              </a:rPr>
+              <a:t>讲完再提问题</a:t>
+            </a:r>
+            <a:endParaRPr lang="zh-CN" altLang="en-US" sz="9600">
+              <a:solidFill>
+                <a:schemeClr val="tx1"/>
+              </a:solidFill>
+            </a:endParaRPr>
+          </a:p>
+        </p:txBody>
+      </p:sp>
+      <p:sp>
+        <p:nvSpPr>
+          <p:cNvPr id="3" name="标题 1"/>
+          <p:cNvSpPr>
+            <a:spLocks noGrp="1"/>
+          </p:cNvSpPr>
+          <p:nvPr/>
+        </p:nvSpPr>
+        <p:spPr>
+          <a:xfrm>
+            <a:off x="838200" y="365125"/>
+            <a:ext cx="10515600" cy="1325563"/>
+          </a:xfrm>
+          <a:prstGeom prst="rect">
+            <a:avLst/>
+          </a:prstGeom>
+        </p:spPr>
+        <p:txBody>
+          <a:bodyPr vert="horz" lIns="91440" tIns="45720" rIns="91440" bIns="45720" rtlCol="0" anchor="ctr">
+            <a:normAutofit/>
+          </a:bodyPr>
+          <a:lstStyle>
+            <a:lvl1pPr algn="l" defTabSz="914400" rtl="0" eaLnBrk="1" latinLnBrk="0" hangingPunct="1">
+              <a:lnSpc>
+                <a:spcPct val="90000"/>
+              </a:lnSpc>
+              <a:spcBef>
+                <a:spcPct val="0"/>
+              </a:spcBef>
+              <a:buNone/>
+              <a:defRPr sz="4400" kern="1200">
+                <a:solidFill>
+                  <a:schemeClr val="tx1"/>
+                </a:solidFill>
+                <a:latin typeface="+mj-lt"/>
+                <a:ea typeface="+mj-ea"/>
+                <a:cs typeface="+mj-cs"/>
+              </a:defRPr>
+            </a:lvl1pPr>
+          </a:lstStyle>
+          <a:p>
+            <a:pPr algn="l"/>
+            <a:endParaRPr lang="zh-CN" altLang="en-US" sz="4800"/>
+          </a:p>
+        </p:txBody>
+      </p:sp>
+    </p:spTree>
+  </p:cSld>
+  <p:clrMapOvr>
+    <a:masterClrMapping/>
+  </p:clrMapOvr>
+</p:sld>
+</file>
+
 <file path=ppt/slides/slide2.xml><?xml version="1.0" encoding="utf-8"?>
 <p:sld xmlns:a="http://schemas.openxmlformats.org/drawingml/2006/main" xmlns:r="http://schemas.openxmlformats.org/officeDocument/2006/relationships" xmlns:p="http://schemas.openxmlformats.org/presentationml/2006/main">
   <p:cSld>
@@ -3234,8 +3460,8 @@
         </p:nvSpPr>
         <p:spPr>
           <a:xfrm>
-            <a:off x="971550" y="872490"/>
-            <a:ext cx="10515600" cy="1325563"/>
+            <a:off x="838200" y="2397125"/>
+            <a:ext cx="10515600" cy="2063750"/>
           </a:xfrm>
         </p:spPr>
         <p:txBody>
@@ -3245,89 +3471,12 @@
           <a:p>
             <a:pPr algn="ctr"/>
             <a:r>
-              <a:rPr lang="zh-CN" altLang="en-US" sz="8800"/>
-              <a:t>容易</a:t>
-            </a:r>
-            <a:endParaRPr lang="zh-CN" altLang="en-US" sz="8800"/>
-          </a:p>
-        </p:txBody>
-      </p:sp>
-      <p:sp>
-        <p:nvSpPr>
-          <p:cNvPr id="3" name="文本占位符 2"/>
-          <p:cNvSpPr>
-            <a:spLocks noGrp="1"/>
-          </p:cNvSpPr>
-          <p:nvPr>
-            <p:ph type="body" idx="1"/>
-          </p:nvPr>
-        </p:nvSpPr>
-        <p:spPr/>
-        <p:txBody>
-          <a:bodyPr>
-            <a:noAutofit/>
-          </a:bodyPr>
-          <a:p>
-            <a:pPr marL="0" indent="0" algn="ctr">
-              <a:lnSpc>
-                <a:spcPct val="120000"/>
-              </a:lnSpc>
-              <a:buNone/>
-            </a:pPr>
-            <a:endParaRPr lang="zh-CN" altLang="en-US" sz="4400">
-              <a:sym typeface="+mn-ea"/>
-            </a:endParaRPr>
-          </a:p>
-          <a:p>
-            <a:pPr marL="0" indent="0" algn="ctr">
-              <a:lnSpc>
-                <a:spcPct val="120000"/>
-              </a:lnSpc>
-              <a:buNone/>
-            </a:pPr>
-            <a:r>
-              <a:rPr lang="zh-CN" altLang="en-US" sz="4400">
+              <a:rPr lang="zh-CN" altLang="en-US" sz="9600">
                 <a:sym typeface="+mn-ea"/>
               </a:rPr>
-              <a:t>易读</a:t>
-            </a:r>
-            <a:endParaRPr lang="zh-CN" altLang="en-US" sz="4400">
-              <a:sym typeface="+mn-ea"/>
-            </a:endParaRPr>
-          </a:p>
-          <a:p>
-            <a:pPr marL="0" indent="0" algn="ctr">
-              <a:lnSpc>
-                <a:spcPct val="120000"/>
-              </a:lnSpc>
-              <a:buNone/>
-            </a:pPr>
-            <a:r>
-              <a:rPr lang="zh-CN" altLang="en-US" sz="4400">
-                <a:sym typeface="+mn-ea"/>
-              </a:rPr>
-              <a:t>易写</a:t>
-            </a:r>
-            <a:endParaRPr lang="zh-CN" altLang="en-US" sz="4400">
-              <a:sym typeface="+mn-ea"/>
-            </a:endParaRPr>
-          </a:p>
-          <a:p>
-            <a:pPr marL="0" indent="0" algn="ctr">
-              <a:lnSpc>
-                <a:spcPct val="120000"/>
-              </a:lnSpc>
-              <a:buNone/>
-            </a:pPr>
-            <a:r>
-              <a:rPr lang="zh-CN" altLang="en-US" sz="4400">
-                <a:sym typeface="+mn-ea"/>
-              </a:rPr>
-              <a:t>易学</a:t>
-            </a:r>
-            <a:endParaRPr lang="zh-CN" altLang="en-US" sz="4400">
-              <a:sym typeface="+mn-ea"/>
-            </a:endParaRPr>
+              <a:t>容易</a:t>
+            </a:r>
+            <a:endParaRPr lang="en-US" altLang="zh-CN" sz="9600"/>
           </a:p>
         </p:txBody>
       </p:sp>
@@ -3351,29 +3500,6 @@
       <p:grpSpPr/>
       <p:sp>
         <p:nvSpPr>
-          <p:cNvPr id="2" name="标题 1"/>
-          <p:cNvSpPr>
-            <a:spLocks noGrp="1"/>
-          </p:cNvSpPr>
-          <p:nvPr>
-            <p:ph type="title"/>
-          </p:nvPr>
-        </p:nvSpPr>
-        <p:spPr/>
-        <p:txBody>
-          <a:bodyPr/>
-          <a:p>
-            <a:pPr algn="l"/>
-            <a:r>
-              <a:rPr lang="zh-CN" altLang="en-US"/>
-              <a:t>好用</a:t>
-            </a:r>
-            <a:endParaRPr lang="zh-CN" altLang="en-US"/>
-          </a:p>
-        </p:txBody>
-      </p:sp>
-      <p:sp>
-        <p:nvSpPr>
           <p:cNvPr id="3" name="文本占位符 2"/>
           <p:cNvSpPr>
             <a:spLocks noGrp="1"/>
@@ -3382,96 +3508,66 @@
             <p:ph type="body" idx="1"/>
           </p:nvPr>
         </p:nvSpPr>
-        <p:spPr/>
-        <p:txBody>
-          <a:bodyPr/>
-          <a:p>
-            <a:pPr algn="l"/>
-            <a:r>
-              <a:rPr lang="en-US" altLang="zh-CN">
+        <p:spPr>
+          <a:xfrm>
+            <a:off x="944880" y="1063625"/>
+            <a:ext cx="10515600" cy="4351338"/>
+          </a:xfrm>
+        </p:spPr>
+        <p:txBody>
+          <a:bodyPr>
+            <a:noAutofit/>
+          </a:bodyPr>
+          <a:p>
+            <a:pPr marL="0" indent="0" algn="ctr">
+              <a:lnSpc>
+                <a:spcPct val="120000"/>
+              </a:lnSpc>
+              <a:buNone/>
+            </a:pPr>
+            <a:r>
+              <a:rPr lang="zh-CN" altLang="en-US" sz="7200">
                 <a:sym typeface="+mn-ea"/>
               </a:rPr>
-              <a:t>AI</a:t>
-            </a:r>
-            <a:r>
-              <a:rPr lang="zh-CN" altLang="en-US">
+              <a:t>易读</a:t>
+            </a:r>
+            <a:endParaRPr lang="zh-CN" altLang="en-US" sz="7200">
+              <a:sym typeface="+mn-ea"/>
+            </a:endParaRPr>
+          </a:p>
+          <a:p>
+            <a:pPr marL="0" indent="0" algn="ctr">
+              <a:lnSpc>
+                <a:spcPct val="120000"/>
+              </a:lnSpc>
+              <a:buNone/>
+            </a:pPr>
+            <a:r>
+              <a:rPr lang="zh-CN" altLang="en-US" sz="7200">
                 <a:sym typeface="+mn-ea"/>
               </a:rPr>
-              <a:t>、机器学习</a:t>
-            </a:r>
-            <a:endParaRPr lang="en-US" altLang="zh-CN">
+              <a:t>易写</a:t>
+            </a:r>
+            <a:endParaRPr lang="zh-CN" altLang="en-US" sz="7200">
               <a:sym typeface="+mn-ea"/>
             </a:endParaRPr>
           </a:p>
           <a:p>
-            <a:pPr algn="l"/>
-            <a:r>
-              <a:rPr lang="zh-CN" altLang="en-US">
+            <a:pPr marL="0" indent="0" algn="ctr">
+              <a:lnSpc>
+                <a:spcPct val="120000"/>
+              </a:lnSpc>
+              <a:buNone/>
+            </a:pPr>
+            <a:r>
+              <a:rPr lang="zh-CN" altLang="en-US" sz="7200">
                 <a:sym typeface="+mn-ea"/>
               </a:rPr>
-              <a:t>Web应用开发</a:t>
-            </a:r>
-            <a:endParaRPr lang="zh-CN" altLang="en-US">
+              <a:t>易学</a:t>
+            </a:r>
+            <a:endParaRPr lang="zh-CN" altLang="en-US" sz="7200">
               <a:sym typeface="+mn-ea"/>
             </a:endParaRPr>
-          </a:p>
-          <a:p>
-            <a:pPr algn="l"/>
-            <a:r>
-              <a:rPr lang="zh-CN" altLang="en-US">
-                <a:sym typeface="+mn-ea"/>
-              </a:rPr>
-              <a:t>桌面软件</a:t>
-            </a:r>
-            <a:endParaRPr lang="zh-CN" altLang="en-US">
-              <a:sym typeface="+mn-ea"/>
-            </a:endParaRPr>
-          </a:p>
-          <a:p>
-            <a:pPr algn="l"/>
-            <a:r>
-              <a:rPr lang="zh-CN" altLang="en-US">
-                <a:sym typeface="+mn-ea"/>
-              </a:rPr>
-              <a:t>操作系统管理</a:t>
-            </a:r>
-            <a:endParaRPr lang="zh-CN" altLang="en-US">
-              <a:sym typeface="+mn-ea"/>
-            </a:endParaRPr>
-          </a:p>
-          <a:p>
-            <a:pPr algn="l"/>
-            <a:r>
-              <a:rPr lang="zh-CN" altLang="en-US">
-                <a:sym typeface="+mn-ea"/>
-              </a:rPr>
-              <a:t>服务器运维的自动化脚本</a:t>
-            </a:r>
-            <a:endParaRPr lang="zh-CN" altLang="en-US">
-              <a:sym typeface="+mn-ea"/>
-            </a:endParaRPr>
-          </a:p>
-          <a:p>
-            <a:pPr algn="l"/>
-            <a:r>
-              <a:rPr lang="zh-CN" altLang="en-US">
-                <a:sym typeface="+mn-ea"/>
-              </a:rPr>
-              <a:t>科学计算</a:t>
-            </a:r>
-            <a:endParaRPr lang="zh-CN" altLang="en-US">
-              <a:sym typeface="+mn-ea"/>
-            </a:endParaRPr>
-          </a:p>
-          <a:p>
-            <a:pPr algn="l"/>
-            <a:r>
-              <a:rPr lang="zh-CN" altLang="en-US">
-                <a:sym typeface="+mn-ea"/>
-              </a:rPr>
-              <a:t>服务器软件（网络软件）</a:t>
-            </a:r>
-            <a:endParaRPr lang="zh-CN" altLang="en-US"/>
           </a:p>
         </p:txBody>
       </p:sp>
@@ -3505,7 +3601,7 @@
         </p:nvSpPr>
         <p:spPr>
           <a:xfrm>
-            <a:off x="838200" y="3065145"/>
+            <a:off x="838200" y="2397125"/>
             <a:ext cx="10515600" cy="2063750"/>
           </a:xfrm>
         </p:spPr>
@@ -3516,67 +3612,12 @@
           <a:p>
             <a:pPr algn="ctr"/>
             <a:r>
-              <a:rPr lang="zh-CN" altLang="en-US" sz="9600"/>
-              <a:t>最后一公里的</a:t>
-            </a:r>
-            <a:br>
-              <a:rPr lang="zh-CN" altLang="en-US" sz="9600"/>
-            </a:br>
-            <a:r>
-              <a:rPr lang="zh-CN" altLang="en-US" sz="9600"/>
-              <a:t>重复工作</a:t>
-            </a:r>
-            <a:endParaRPr lang="zh-CN" altLang="en-US" sz="9600"/>
-          </a:p>
-        </p:txBody>
-      </p:sp>
-      <p:sp>
-        <p:nvSpPr>
-          <p:cNvPr id="3" name="标题 1"/>
-          <p:cNvSpPr>
-            <a:spLocks noGrp="1"/>
-          </p:cNvSpPr>
-          <p:nvPr/>
-        </p:nvSpPr>
-        <p:spPr>
-          <a:xfrm>
-            <a:off x="838200" y="365125"/>
-            <a:ext cx="10515600" cy="1325563"/>
-          </a:xfrm>
-          <a:prstGeom prst="rect">
-            <a:avLst/>
-          </a:prstGeom>
-        </p:spPr>
-        <p:txBody>
-          <a:bodyPr vert="horz" lIns="91440" tIns="45720" rIns="91440" bIns="45720" rtlCol="0" anchor="ctr">
-            <a:normAutofit/>
-          </a:bodyPr>
-          <a:lstStyle>
-            <a:lvl1pPr algn="l" defTabSz="914400" rtl="0" eaLnBrk="1" latinLnBrk="0" hangingPunct="1">
-              <a:lnSpc>
-                <a:spcPct val="90000"/>
-              </a:lnSpc>
-              <a:spcBef>
-                <a:spcPct val="0"/>
-              </a:spcBef>
-              <a:buNone/>
-              <a:defRPr sz="4400" kern="1200">
-                <a:solidFill>
-                  <a:schemeClr val="tx1"/>
-                </a:solidFill>
-                <a:latin typeface="+mj-lt"/>
-                <a:ea typeface="+mj-ea"/>
-                <a:cs typeface="+mj-cs"/>
-              </a:defRPr>
-            </a:lvl1pPr>
-          </a:lstStyle>
-          <a:p>
-            <a:pPr algn="l"/>
-            <a:r>
-              <a:rPr lang="zh-CN" altLang="en-US" sz="4800"/>
-              <a:t>场景</a:t>
-            </a:r>
-            <a:endParaRPr lang="zh-CN" altLang="en-US" sz="4800"/>
+              <a:rPr lang="zh-CN" altLang="en-US" sz="9600">
+                <a:sym typeface="+mn-ea"/>
+              </a:rPr>
+              <a:t>好用</a:t>
+            </a:r>
+            <a:endParaRPr lang="en-US" altLang="zh-CN" sz="9600"/>
           </a:p>
         </p:txBody>
       </p:sp>
@@ -3600,104 +3641,139 @@
       <p:grpSpPr/>
       <p:sp>
         <p:nvSpPr>
-          <p:cNvPr id="2" name="标题 1"/>
-          <p:cNvSpPr>
-            <a:spLocks noGrp="1"/>
-          </p:cNvSpPr>
-          <p:nvPr>
-            <p:ph type="title"/>
+          <p:cNvPr id="3" name="文本占位符 2"/>
+          <p:cNvSpPr>
+            <a:spLocks noGrp="1"/>
+          </p:cNvSpPr>
+          <p:nvPr>
+            <p:ph type="body" idx="1"/>
           </p:nvPr>
         </p:nvSpPr>
         <p:spPr>
           <a:xfrm>
-            <a:off x="1092200" y="2689860"/>
-            <a:ext cx="10515600" cy="2063750"/>
+            <a:off x="838200" y="783590"/>
+            <a:ext cx="10515600" cy="5393690"/>
           </a:xfrm>
         </p:spPr>
         <p:txBody>
           <a:bodyPr>
-            <a:noAutofit/>
+            <a:normAutofit lnSpcReduction="20000"/>
           </a:bodyPr>
           <a:p>
-            <a:pPr algn="ctr"/>
-            <a:r>
-              <a:rPr lang="en-US" altLang="zh-CN" sz="9600" b="1">
-                <a:solidFill>
-                  <a:srgbClr val="FF0000"/>
-                </a:solidFill>
+            <a:pPr algn="l">
+              <a:lnSpc>
+                <a:spcPct val="120000"/>
+              </a:lnSpc>
+            </a:pPr>
+            <a:r>
+              <a:rPr lang="en-US" altLang="zh-CN" sz="4000">
+                <a:sym typeface="+mn-ea"/>
               </a:rPr>
-              <a:t>Run</a:t>
-            </a:r>
-            <a:r>
-              <a:rPr lang="en-US" altLang="zh-CN" sz="9600"/>
-              <a:t>, Don't </a:t>
-            </a:r>
-            <a:r>
-              <a:rPr lang="en-US" altLang="zh-CN" sz="9600" strike="sngStrike">
-                <a:solidFill>
-                  <a:schemeClr val="accent1">
-                    <a:lumMod val="75000"/>
-                  </a:schemeClr>
-                </a:solidFill>
-                <a:uFillTx/>
+              <a:t>AI</a:t>
+            </a:r>
+            <a:r>
+              <a:rPr lang="zh-CN" altLang="en-US" sz="4000">
+                <a:sym typeface="+mn-ea"/>
               </a:rPr>
-              <a:t>Walk</a:t>
-            </a:r>
-            <a:r>
-              <a:rPr lang="en-US" altLang="zh-CN" sz="9600"/>
-              <a:t>!</a:t>
-            </a:r>
-            <a:endParaRPr lang="en-US" altLang="zh-CN" sz="9600"/>
-          </a:p>
-        </p:txBody>
-      </p:sp>
-      <p:sp>
-        <p:nvSpPr>
-          <p:cNvPr id="3" name="标题 1"/>
-          <p:cNvSpPr>
-            <a:spLocks noGrp="1"/>
-          </p:cNvSpPr>
-          <p:nvPr/>
-        </p:nvSpPr>
-        <p:spPr>
-          <a:xfrm>
-            <a:off x="838200" y="365125"/>
-            <a:ext cx="10515600" cy="1325563"/>
-          </a:xfrm>
-          <a:prstGeom prst="rect">
-            <a:avLst/>
-          </a:prstGeom>
-        </p:spPr>
-        <p:txBody>
-          <a:bodyPr vert="horz" lIns="91440" tIns="45720" rIns="91440" bIns="45720" rtlCol="0" anchor="ctr">
-            <a:normAutofit/>
-          </a:bodyPr>
-          <a:lstStyle>
-            <a:lvl1pPr algn="l" defTabSz="914400" rtl="0" eaLnBrk="1" latinLnBrk="0" hangingPunct="1">
+              <a:t>、机器学习</a:t>
+            </a:r>
+            <a:endParaRPr lang="en-US" altLang="zh-CN" sz="4000">
+              <a:sym typeface="+mn-ea"/>
+            </a:endParaRPr>
+          </a:p>
+          <a:p>
+            <a:pPr algn="l">
               <a:lnSpc>
-                <a:spcPct val="90000"/>
+                <a:spcPct val="120000"/>
               </a:lnSpc>
-              <a:spcBef>
-                <a:spcPct val="0"/>
-              </a:spcBef>
-              <a:buNone/>
-              <a:defRPr sz="4400" kern="1200">
-                <a:solidFill>
-                  <a:schemeClr val="tx1"/>
-                </a:solidFill>
-                <a:latin typeface="+mj-lt"/>
-                <a:ea typeface="+mj-ea"/>
-                <a:cs typeface="+mj-cs"/>
-              </a:defRPr>
-            </a:lvl1pPr>
-          </a:lstStyle>
-          <a:p>
-            <a:pPr algn="l"/>
-            <a:r>
-              <a:rPr lang="zh-CN" altLang="en-US" sz="4800"/>
-              <a:t>如何学</a:t>
-            </a:r>
-            <a:endParaRPr lang="zh-CN" altLang="en-US" sz="4800"/>
+            </a:pPr>
+            <a:r>
+              <a:rPr lang="zh-CN" altLang="en-US" sz="4000">
+                <a:sym typeface="+mn-ea"/>
+              </a:rPr>
+              <a:t>Web应用开发</a:t>
+            </a:r>
+            <a:endParaRPr lang="zh-CN" altLang="en-US" sz="4000">
+              <a:sym typeface="+mn-ea"/>
+            </a:endParaRPr>
+          </a:p>
+          <a:p>
+            <a:pPr algn="l">
+              <a:lnSpc>
+                <a:spcPct val="120000"/>
+              </a:lnSpc>
+            </a:pPr>
+            <a:r>
+              <a:rPr lang="zh-CN" altLang="en-US" sz="4000">
+                <a:sym typeface="+mn-ea"/>
+              </a:rPr>
+              <a:t>桌面软件</a:t>
+            </a:r>
+            <a:endParaRPr lang="zh-CN" altLang="en-US" sz="4000">
+              <a:sym typeface="+mn-ea"/>
+            </a:endParaRPr>
+          </a:p>
+          <a:p>
+            <a:pPr algn="l">
+              <a:lnSpc>
+                <a:spcPct val="120000"/>
+              </a:lnSpc>
+            </a:pPr>
+            <a:r>
+              <a:rPr lang="zh-CN" altLang="en-US" sz="4000">
+                <a:sym typeface="+mn-ea"/>
+              </a:rPr>
+              <a:t>操作系统管理</a:t>
+            </a:r>
+            <a:endParaRPr lang="zh-CN" altLang="en-US" sz="4000">
+              <a:sym typeface="+mn-ea"/>
+            </a:endParaRPr>
+          </a:p>
+          <a:p>
+            <a:pPr algn="l">
+              <a:lnSpc>
+                <a:spcPct val="120000"/>
+              </a:lnSpc>
+            </a:pPr>
+            <a:r>
+              <a:rPr lang="zh-CN" altLang="en-US" sz="4000">
+                <a:sym typeface="+mn-ea"/>
+              </a:rPr>
+              <a:t>服务器运维的自动化脚本</a:t>
+            </a:r>
+            <a:endParaRPr lang="zh-CN" altLang="en-US" sz="4000">
+              <a:sym typeface="+mn-ea"/>
+            </a:endParaRPr>
+          </a:p>
+          <a:p>
+            <a:pPr algn="l">
+              <a:lnSpc>
+                <a:spcPct val="120000"/>
+              </a:lnSpc>
+            </a:pPr>
+            <a:r>
+              <a:rPr lang="zh-CN" altLang="en-US" sz="4000">
+                <a:sym typeface="+mn-ea"/>
+              </a:rPr>
+              <a:t>科学计算</a:t>
+            </a:r>
+            <a:endParaRPr lang="zh-CN" altLang="en-US" sz="4000">
+              <a:sym typeface="+mn-ea"/>
+            </a:endParaRPr>
+          </a:p>
+          <a:p>
+            <a:pPr algn="l">
+              <a:lnSpc>
+                <a:spcPct val="120000"/>
+              </a:lnSpc>
+            </a:pPr>
+            <a:r>
+              <a:rPr lang="zh-CN" altLang="en-US" sz="4000">
+                <a:sym typeface="+mn-ea"/>
+              </a:rPr>
+              <a:t>服务器软件（网络软件）</a:t>
+            </a:r>
+            <a:endParaRPr lang="zh-CN" altLang="en-US" sz="4000"/>
           </a:p>
         </p:txBody>
       </p:sp>
@@ -3731,7 +3807,7 @@
         </p:nvSpPr>
         <p:spPr>
           <a:xfrm>
-            <a:off x="958850" y="2397125"/>
+            <a:off x="838200" y="2397125"/>
             <a:ext cx="10515600" cy="2063750"/>
           </a:xfrm>
         </p:spPr>
@@ -3742,83 +3818,14 @@
           <a:p>
             <a:pPr algn="ctr"/>
             <a:r>
-              <a:rPr lang="en-US" altLang="zh-CN" sz="9600" b="1">
-                <a:solidFill>
-                  <a:srgbClr val="FF0000"/>
-                </a:solidFill>
+              <a:rPr lang="zh-CN" altLang="en-US" sz="9600">
+                <a:sym typeface="+mn-ea"/>
               </a:rPr>
-              <a:t>Show</a:t>
-            </a:r>
-            <a:r>
-              <a:rPr lang="en-US" altLang="zh-CN" sz="9600"/>
-              <a:t>, Don't </a:t>
-            </a:r>
-            <a:r>
-              <a:rPr lang="en-US" altLang="zh-CN" sz="9600" strike="sngStrike">
-                <a:solidFill>
-                  <a:schemeClr val="accent1">
-                    <a:lumMod val="75000"/>
-                  </a:schemeClr>
-                </a:solidFill>
-                <a:uFillTx/>
-              </a:rPr>
-              <a:t>Teach</a:t>
-            </a:r>
-            <a:r>
-              <a:rPr lang="en-US" altLang="zh-CN" sz="9600"/>
-              <a:t>!</a:t>
-            </a:r>
-            <a:endParaRPr lang="en-US" altLang="zh-CN" sz="9600"/>
-          </a:p>
-        </p:txBody>
-      </p:sp>
-      <p:sp>
-        <p:nvSpPr>
-          <p:cNvPr id="3" name="标题 1"/>
-          <p:cNvSpPr>
-            <a:spLocks noGrp="1"/>
-          </p:cNvSpPr>
-          <p:nvPr/>
-        </p:nvSpPr>
-        <p:spPr>
-          <a:xfrm>
-            <a:off x="838200" y="365125"/>
-            <a:ext cx="10515600" cy="1325563"/>
-          </a:xfrm>
-          <a:prstGeom prst="rect">
-            <a:avLst/>
-          </a:prstGeom>
-        </p:spPr>
-        <p:txBody>
-          <a:bodyPr vert="horz" lIns="91440" tIns="45720" rIns="91440" bIns="45720" rtlCol="0" anchor="ctr">
-            <a:normAutofit/>
-          </a:bodyPr>
-          <a:lstStyle>
-            <a:lvl1pPr algn="l" defTabSz="914400" rtl="0" eaLnBrk="1" latinLnBrk="0" hangingPunct="1">
-              <a:lnSpc>
-                <a:spcPct val="90000"/>
-              </a:lnSpc>
-              <a:spcBef>
-                <a:spcPct val="0"/>
-              </a:spcBef>
-              <a:buNone/>
-              <a:defRPr sz="4400" kern="1200">
-                <a:solidFill>
-                  <a:schemeClr val="tx1"/>
-                </a:solidFill>
-                <a:latin typeface="+mj-lt"/>
-                <a:ea typeface="+mj-ea"/>
-                <a:cs typeface="+mj-cs"/>
-              </a:defRPr>
-            </a:lvl1pPr>
-          </a:lstStyle>
-          <a:p>
-            <a:pPr algn="l"/>
-            <a:r>
-              <a:rPr lang="zh-CN" altLang="en-US" sz="4800"/>
-              <a:t>今天</a:t>
-            </a:r>
-            <a:endParaRPr lang="zh-CN" altLang="en-US" sz="4800"/>
+              <a:t>为什么牛逼</a:t>
+            </a:r>
+            <a:endParaRPr lang="en-US" altLang="zh-CN" sz="9600">
+              <a:sym typeface="+mn-ea"/>
+            </a:endParaRPr>
           </a:p>
         </p:txBody>
       </p:sp>
@@ -3852,7 +3859,7 @@
         </p:nvSpPr>
         <p:spPr>
           <a:xfrm>
-            <a:off x="958850" y="2397125"/>
+            <a:off x="838200" y="2397125"/>
             <a:ext cx="10515600" cy="2063750"/>
           </a:xfrm>
         </p:spPr>
@@ -3864,17 +3871,74 @@
             <a:pPr algn="ctr"/>
             <a:r>
               <a:rPr lang="zh-CN" altLang="en-US" sz="9600">
-                <a:solidFill>
-                  <a:schemeClr val="tx1"/>
-                </a:solidFill>
+                <a:sym typeface="+mn-ea"/>
               </a:rPr>
-              <a:t>讲完再提问题</a:t>
-            </a:r>
-            <a:endParaRPr lang="zh-CN" altLang="en-US" sz="9600">
-              <a:solidFill>
-                <a:schemeClr val="tx1"/>
-              </a:solidFill>
+              <a:t>站在巨人的</a:t>
+            </a:r>
+            <a:r>
+              <a:rPr lang="en-US" altLang="zh-CN" sz="9600">
+                <a:sym typeface="+mn-ea"/>
+              </a:rPr>
+              <a:t>...</a:t>
+            </a:r>
+            <a:endParaRPr lang="en-US" altLang="zh-CN" sz="9600">
+              <a:sym typeface="+mn-ea"/>
             </a:endParaRPr>
+          </a:p>
+        </p:txBody>
+      </p:sp>
+    </p:spTree>
+  </p:cSld>
+  <p:clrMapOvr>
+    <a:masterClrMapping/>
+  </p:clrMapOvr>
+</p:sld>
+</file>
+
+<file path=ppt/slides/slide9.xml><?xml version="1.0" encoding="utf-8"?>
+<p:sld xmlns:a="http://schemas.openxmlformats.org/drawingml/2006/main" xmlns:r="http://schemas.openxmlformats.org/officeDocument/2006/relationships" xmlns:p="http://schemas.openxmlformats.org/presentationml/2006/main">
+  <p:cSld>
+    <p:spTree>
+      <p:nvGrpSpPr>
+        <p:cNvPr id="1" name=""/>
+        <p:cNvGrpSpPr/>
+        <p:nvPr/>
+      </p:nvGrpSpPr>
+      <p:grpSpPr/>
+      <p:sp>
+        <p:nvSpPr>
+          <p:cNvPr id="2" name="标题 1"/>
+          <p:cNvSpPr>
+            <a:spLocks noGrp="1"/>
+          </p:cNvSpPr>
+          <p:nvPr>
+            <p:ph type="title"/>
+          </p:nvPr>
+        </p:nvSpPr>
+        <p:spPr>
+          <a:xfrm>
+            <a:off x="838200" y="3065145"/>
+            <a:ext cx="10515600" cy="2063750"/>
+          </a:xfrm>
+        </p:spPr>
+        <p:txBody>
+          <a:bodyPr>
+            <a:noAutofit/>
+          </a:bodyPr>
+          <a:p>
+            <a:pPr algn="ctr"/>
+            <a:r>
+              <a:rPr lang="zh-CN" altLang="en-US" sz="9600"/>
+              <a:t>最后一公里的</a:t>
+            </a:r>
+            <a:br>
+              <a:rPr lang="zh-CN" altLang="en-US" sz="9600"/>
+            </a:br>
+            <a:r>
+              <a:rPr lang="zh-CN" altLang="en-US" sz="9600"/>
+              <a:t>重复工作</a:t>
+            </a:r>
+            <a:endParaRPr lang="zh-CN" altLang="en-US" sz="9600"/>
           </a:p>
         </p:txBody>
       </p:sp>
@@ -3922,7 +3986,11 @@
             <a:pPr algn="l"/>
             <a:r>
               <a:rPr lang="zh-CN" altLang="en-US" sz="4800"/>
-              <a:t>今天</a:t>
+              <a:t>我们的</a:t>
+            </a:r>
+            <a:r>
+              <a:rPr lang="zh-CN" altLang="en-US" sz="4800"/>
+              <a:t>场景</a:t>
             </a:r>
             <a:endParaRPr lang="zh-CN" altLang="en-US" sz="4800"/>
           </a:p>
